--- a/doc/1조 홈페이지 구성예시.pptx
+++ b/doc/1조 홈페이지 구성예시.pptx
@@ -5,7 +5,7 @@
     <p:sldMasterId id="2147483648" r:id="rId1"/>
   </p:sldMasterIdLst>
   <p:notesMasterIdLst>
-    <p:notesMasterId r:id="rId8"/>
+    <p:notesMasterId r:id="rId9"/>
   </p:notesMasterIdLst>
   <p:sldIdLst>
     <p:sldId id="256" r:id="rId2"/>
@@ -14,6 +14,7 @@
     <p:sldId id="259" r:id="rId5"/>
     <p:sldId id="260" r:id="rId6"/>
     <p:sldId id="261" r:id="rId7"/>
+    <p:sldId id="262" r:id="rId8"/>
   </p:sldIdLst>
   <p:sldSz cx="12192000" cy="6858000"/>
   <p:notesSz cx="6858000" cy="9144000"/>
@@ -115,7 +116,7 @@
   <p:extLst>
     <p:ext uri="{521415D9-36F7-43E2-AB2F-B90AF26B5E84}">
       <p14:sectionLst xmlns:p14="http://schemas.microsoft.com/office/powerpoint/2010/main">
-        <p14:section name="기본 구역" id="{87C3AF92-EAA2-472C-A580-D7A27FF2F90A}">
+        <p14:section name="참고자료 구역" id="{87C3AF92-EAA2-472C-A580-D7A27FF2F90A}">
           <p14:sldIdLst>
             <p14:sldId id="256"/>
             <p14:sldId id="257"/>
@@ -125,7 +126,15 @@
             <p14:sldId id="261"/>
           </p14:sldIdLst>
         </p14:section>
+        <p14:section name="프로젝트 구상 구역" id="{BF331740-2E81-474E-8F65-EFB90FDD48BE}">
+          <p14:sldIdLst>
+            <p14:sldId id="262"/>
+          </p14:sldIdLst>
+        </p14:section>
       </p14:sectionLst>
+    </p:ext>
+    <p:ext uri="{EFAFB233-063F-42B5-8137-9DF3F51BA10A}">
+      <p15:sldGuideLst xmlns:p15="http://schemas.microsoft.com/office/powerpoint/2012/main"/>
     </p:ext>
   </p:extLst>
 </p:presentation>
@@ -427,7 +436,7 @@
           <a:p>
             <a:fld id="{08277D3D-957F-4996-B15F-18B0C6D3B147}" type="datetimeFigureOut">
               <a:rPr lang="ko-KR" altLang="en-US" smtClean="0"/>
-              <a:t>2022-03-03</a:t>
+              <a:t>2022-03-04</a:t>
             </a:fld>
             <a:endParaRPr lang="ko-KR" altLang="en-US"/>
           </a:p>
@@ -1009,7 +1018,7 @@
           <a:p>
             <a:fld id="{E5DAA205-7632-451D-A666-D4FC572A537E}" type="datetimeFigureOut">
               <a:rPr lang="ko-KR" altLang="en-US" smtClean="0"/>
-              <a:t>2022-03-03</a:t>
+              <a:t>2022-03-04</a:t>
             </a:fld>
             <a:endParaRPr lang="ko-KR" altLang="en-US"/>
           </a:p>
@@ -1207,7 +1216,7 @@
           <a:p>
             <a:fld id="{E5DAA205-7632-451D-A666-D4FC572A537E}" type="datetimeFigureOut">
               <a:rPr lang="ko-KR" altLang="en-US" smtClean="0"/>
-              <a:t>2022-03-03</a:t>
+              <a:t>2022-03-04</a:t>
             </a:fld>
             <a:endParaRPr lang="ko-KR" altLang="en-US"/>
           </a:p>
@@ -1415,7 +1424,7 @@
           <a:p>
             <a:fld id="{E5DAA205-7632-451D-A666-D4FC572A537E}" type="datetimeFigureOut">
               <a:rPr lang="ko-KR" altLang="en-US" smtClean="0"/>
-              <a:t>2022-03-03</a:t>
+              <a:t>2022-03-04</a:t>
             </a:fld>
             <a:endParaRPr lang="ko-KR" altLang="en-US"/>
           </a:p>
@@ -1613,7 +1622,7 @@
           <a:p>
             <a:fld id="{E5DAA205-7632-451D-A666-D4FC572A537E}" type="datetimeFigureOut">
               <a:rPr lang="ko-KR" altLang="en-US" smtClean="0"/>
-              <a:t>2022-03-03</a:t>
+              <a:t>2022-03-04</a:t>
             </a:fld>
             <a:endParaRPr lang="ko-KR" altLang="en-US"/>
           </a:p>
@@ -1888,7 +1897,7 @@
           <a:p>
             <a:fld id="{E5DAA205-7632-451D-A666-D4FC572A537E}" type="datetimeFigureOut">
               <a:rPr lang="ko-KR" altLang="en-US" smtClean="0"/>
-              <a:t>2022-03-03</a:t>
+              <a:t>2022-03-04</a:t>
             </a:fld>
             <a:endParaRPr lang="ko-KR" altLang="en-US"/>
           </a:p>
@@ -2153,7 +2162,7 @@
           <a:p>
             <a:fld id="{E5DAA205-7632-451D-A666-D4FC572A537E}" type="datetimeFigureOut">
               <a:rPr lang="ko-KR" altLang="en-US" smtClean="0"/>
-              <a:t>2022-03-03</a:t>
+              <a:t>2022-03-04</a:t>
             </a:fld>
             <a:endParaRPr lang="ko-KR" altLang="en-US"/>
           </a:p>
@@ -2565,7 +2574,7 @@
           <a:p>
             <a:fld id="{E5DAA205-7632-451D-A666-D4FC572A537E}" type="datetimeFigureOut">
               <a:rPr lang="ko-KR" altLang="en-US" smtClean="0"/>
-              <a:t>2022-03-03</a:t>
+              <a:t>2022-03-04</a:t>
             </a:fld>
             <a:endParaRPr lang="ko-KR" altLang="en-US"/>
           </a:p>
@@ -2706,7 +2715,7 @@
           <a:p>
             <a:fld id="{E5DAA205-7632-451D-A666-D4FC572A537E}" type="datetimeFigureOut">
               <a:rPr lang="ko-KR" altLang="en-US" smtClean="0"/>
-              <a:t>2022-03-03</a:t>
+              <a:t>2022-03-04</a:t>
             </a:fld>
             <a:endParaRPr lang="ko-KR" altLang="en-US"/>
           </a:p>
@@ -2819,7 +2828,7 @@
           <a:p>
             <a:fld id="{E5DAA205-7632-451D-A666-D4FC572A537E}" type="datetimeFigureOut">
               <a:rPr lang="ko-KR" altLang="en-US" smtClean="0"/>
-              <a:t>2022-03-03</a:t>
+              <a:t>2022-03-04</a:t>
             </a:fld>
             <a:endParaRPr lang="ko-KR" altLang="en-US"/>
           </a:p>
@@ -3130,7 +3139,7 @@
           <a:p>
             <a:fld id="{E5DAA205-7632-451D-A666-D4FC572A537E}" type="datetimeFigureOut">
               <a:rPr lang="ko-KR" altLang="en-US" smtClean="0"/>
-              <a:t>2022-03-03</a:t>
+              <a:t>2022-03-04</a:t>
             </a:fld>
             <a:endParaRPr lang="ko-KR" altLang="en-US"/>
           </a:p>
@@ -3418,7 +3427,7 @@
           <a:p>
             <a:fld id="{E5DAA205-7632-451D-A666-D4FC572A537E}" type="datetimeFigureOut">
               <a:rPr lang="ko-KR" altLang="en-US" smtClean="0"/>
-              <a:t>2022-03-03</a:t>
+              <a:t>2022-03-04</a:t>
             </a:fld>
             <a:endParaRPr lang="ko-KR" altLang="en-US"/>
           </a:p>
@@ -3659,7 +3668,7 @@
           <a:p>
             <a:fld id="{E5DAA205-7632-451D-A666-D4FC572A537E}" type="datetimeFigureOut">
               <a:rPr lang="ko-KR" altLang="en-US" smtClean="0"/>
-              <a:t>2022-03-03</a:t>
+              <a:t>2022-03-04</a:t>
             </a:fld>
             <a:endParaRPr lang="ko-KR" altLang="en-US"/>
           </a:p>
@@ -6736,8 +6745,8 @@
           </a:p>
         </p:txBody>
       </p:sp>
-      <mc:AlternateContent xmlns:mc="http://schemas.openxmlformats.org/markup-compatibility/2006">
-        <mc:Choice xmlns:p14="http://schemas.microsoft.com/office/powerpoint/2010/main" Requires="p14">
+      <mc:AlternateContent xmlns:mc="http://schemas.openxmlformats.org/markup-compatibility/2006" xmlns:p14="http://schemas.microsoft.com/office/powerpoint/2010/main">
+        <mc:Choice Requires="p14">
           <p:contentPart p14:bwMode="auto" r:id="rId3">
             <p14:nvContentPartPr>
               <p14:cNvPr id="24" name="잉크 23">
@@ -6756,7 +6765,7 @@
             </p14:xfrm>
           </p:contentPart>
         </mc:Choice>
-        <mc:Fallback>
+        <mc:Fallback xmlns="">
           <p:pic>
             <p:nvPicPr>
               <p:cNvPr id="24" name="잉크 23">
@@ -6787,8 +6796,8 @@
           </p:pic>
         </mc:Fallback>
       </mc:AlternateContent>
-      <mc:AlternateContent xmlns:mc="http://schemas.openxmlformats.org/markup-compatibility/2006">
-        <mc:Choice xmlns:p14="http://schemas.microsoft.com/office/powerpoint/2010/main" Requires="p14">
+      <mc:AlternateContent xmlns:mc="http://schemas.openxmlformats.org/markup-compatibility/2006" xmlns:p14="http://schemas.microsoft.com/office/powerpoint/2010/main">
+        <mc:Choice Requires="p14">
           <p:contentPart p14:bwMode="auto" r:id="rId5">
             <p14:nvContentPartPr>
               <p14:cNvPr id="25" name="잉크 24">
@@ -6807,7 +6816,7 @@
             </p14:xfrm>
           </p:contentPart>
         </mc:Choice>
-        <mc:Fallback>
+        <mc:Fallback xmlns="">
           <p:pic>
             <p:nvPicPr>
               <p:cNvPr id="25" name="잉크 24">
@@ -6838,8 +6847,8 @@
           </p:pic>
         </mc:Fallback>
       </mc:AlternateContent>
-      <mc:AlternateContent xmlns:mc="http://schemas.openxmlformats.org/markup-compatibility/2006">
-        <mc:Choice xmlns:p14="http://schemas.microsoft.com/office/powerpoint/2010/main" Requires="p14">
+      <mc:AlternateContent xmlns:mc="http://schemas.openxmlformats.org/markup-compatibility/2006" xmlns:p14="http://schemas.microsoft.com/office/powerpoint/2010/main">
+        <mc:Choice Requires="p14">
           <p:contentPart p14:bwMode="auto" r:id="rId7">
             <p14:nvContentPartPr>
               <p14:cNvPr id="30" name="잉크 29">
@@ -6858,7 +6867,7 @@
             </p14:xfrm>
           </p:contentPart>
         </mc:Choice>
-        <mc:Fallback>
+        <mc:Fallback xmlns="">
           <p:pic>
             <p:nvPicPr>
               <p:cNvPr id="30" name="잉크 29">
@@ -6889,8 +6898,8 @@
           </p:pic>
         </mc:Fallback>
       </mc:AlternateContent>
-      <mc:AlternateContent xmlns:mc="http://schemas.openxmlformats.org/markup-compatibility/2006">
-        <mc:Choice xmlns:p14="http://schemas.microsoft.com/office/powerpoint/2010/main" Requires="p14">
+      <mc:AlternateContent xmlns:mc="http://schemas.openxmlformats.org/markup-compatibility/2006" xmlns:p14="http://schemas.microsoft.com/office/powerpoint/2010/main">
+        <mc:Choice Requires="p14">
           <p:contentPart p14:bwMode="auto" r:id="rId9">
             <p14:nvContentPartPr>
               <p14:cNvPr id="32" name="잉크 31">
@@ -6909,7 +6918,7 @@
             </p14:xfrm>
           </p:contentPart>
         </mc:Choice>
-        <mc:Fallback>
+        <mc:Fallback xmlns="">
           <p:pic>
             <p:nvPicPr>
               <p:cNvPr id="32" name="잉크 31">
@@ -6940,8 +6949,8 @@
           </p:pic>
         </mc:Fallback>
       </mc:AlternateContent>
-      <mc:AlternateContent xmlns:mc="http://schemas.openxmlformats.org/markup-compatibility/2006">
-        <mc:Choice xmlns:p14="http://schemas.microsoft.com/office/powerpoint/2010/main" Requires="p14">
+      <mc:AlternateContent xmlns:mc="http://schemas.openxmlformats.org/markup-compatibility/2006" xmlns:p14="http://schemas.microsoft.com/office/powerpoint/2010/main">
+        <mc:Choice Requires="p14">
           <p:contentPart p14:bwMode="auto" r:id="rId11">
             <p14:nvContentPartPr>
               <p14:cNvPr id="33" name="잉크 32">
@@ -6960,7 +6969,7 @@
             </p14:xfrm>
           </p:contentPart>
         </mc:Choice>
-        <mc:Fallback>
+        <mc:Fallback xmlns="">
           <p:pic>
             <p:nvPicPr>
               <p:cNvPr id="33" name="잉크 32">
@@ -6991,8 +7000,8 @@
           </p:pic>
         </mc:Fallback>
       </mc:AlternateContent>
-      <mc:AlternateContent xmlns:mc="http://schemas.openxmlformats.org/markup-compatibility/2006">
-        <mc:Choice xmlns:p14="http://schemas.microsoft.com/office/powerpoint/2010/main" Requires="p14">
+      <mc:AlternateContent xmlns:mc="http://schemas.openxmlformats.org/markup-compatibility/2006" xmlns:p14="http://schemas.microsoft.com/office/powerpoint/2010/main">
+        <mc:Choice Requires="p14">
           <p:contentPart p14:bwMode="auto" r:id="rId13">
             <p14:nvContentPartPr>
               <p14:cNvPr id="34" name="잉크 33">
@@ -7011,7 +7020,7 @@
             </p14:xfrm>
           </p:contentPart>
         </mc:Choice>
-        <mc:Fallback>
+        <mc:Fallback xmlns="">
           <p:pic>
             <p:nvPicPr>
               <p:cNvPr id="34" name="잉크 33">
@@ -7042,8 +7051,8 @@
           </p:pic>
         </mc:Fallback>
       </mc:AlternateContent>
-      <mc:AlternateContent xmlns:mc="http://schemas.openxmlformats.org/markup-compatibility/2006">
-        <mc:Choice xmlns:p14="http://schemas.microsoft.com/office/powerpoint/2010/main" Requires="p14">
+      <mc:AlternateContent xmlns:mc="http://schemas.openxmlformats.org/markup-compatibility/2006" xmlns:p14="http://schemas.microsoft.com/office/powerpoint/2010/main">
+        <mc:Choice Requires="p14">
           <p:contentPart p14:bwMode="auto" r:id="rId15">
             <p14:nvContentPartPr>
               <p14:cNvPr id="35" name="잉크 34">
@@ -7062,7 +7071,7 @@
             </p14:xfrm>
           </p:contentPart>
         </mc:Choice>
-        <mc:Fallback>
+        <mc:Fallback xmlns="">
           <p:pic>
             <p:nvPicPr>
               <p:cNvPr id="35" name="잉크 34">
@@ -7093,8 +7102,8 @@
           </p:pic>
         </mc:Fallback>
       </mc:AlternateContent>
-      <mc:AlternateContent xmlns:mc="http://schemas.openxmlformats.org/markup-compatibility/2006">
-        <mc:Choice xmlns:p14="http://schemas.microsoft.com/office/powerpoint/2010/main" Requires="p14">
+      <mc:AlternateContent xmlns:mc="http://schemas.openxmlformats.org/markup-compatibility/2006" xmlns:p14="http://schemas.microsoft.com/office/powerpoint/2010/main">
+        <mc:Choice Requires="p14">
           <p:contentPart p14:bwMode="auto" r:id="rId17">
             <p14:nvContentPartPr>
               <p14:cNvPr id="36" name="잉크 35">
@@ -7113,7 +7122,7 @@
             </p14:xfrm>
           </p:contentPart>
         </mc:Choice>
-        <mc:Fallback>
+        <mc:Fallback xmlns="">
           <p:pic>
             <p:nvPicPr>
               <p:cNvPr id="36" name="잉크 35">
@@ -7472,6 +7481,1475 @@
     <p:extLst>
       <p:ext uri="{BB962C8B-B14F-4D97-AF65-F5344CB8AC3E}">
         <p14:creationId xmlns:p14="http://schemas.microsoft.com/office/powerpoint/2010/main" val="1995400535"/>
+      </p:ext>
+    </p:extLst>
+  </p:cSld>
+  <p:clrMapOvr>
+    <a:masterClrMapping/>
+  </p:clrMapOvr>
+</p:sld>
+</file>
+
+<file path=ppt/slides/slide7.xml><?xml version="1.0" encoding="utf-8"?>
+<p:sld xmlns:a="http://schemas.openxmlformats.org/drawingml/2006/main" xmlns:r="http://schemas.openxmlformats.org/officeDocument/2006/relationships" xmlns:p="http://schemas.openxmlformats.org/presentationml/2006/main">
+  <p:cSld>
+    <p:spTree>
+      <p:nvGrpSpPr>
+        <p:cNvPr id="1" name=""/>
+        <p:cNvGrpSpPr/>
+        <p:nvPr/>
+      </p:nvGrpSpPr>
+      <p:grpSpPr>
+        <a:xfrm>
+          <a:off x="0" y="0"/>
+          <a:ext cx="0" cy="0"/>
+          <a:chOff x="0" y="0"/>
+          <a:chExt cx="0" cy="0"/>
+        </a:xfrm>
+      </p:grpSpPr>
+      <p:pic>
+        <p:nvPicPr>
+          <p:cNvPr id="5" name="그림 4">
+            <a:extLst>
+              <a:ext uri="{FF2B5EF4-FFF2-40B4-BE49-F238E27FC236}">
+                <a16:creationId xmlns:a16="http://schemas.microsoft.com/office/drawing/2014/main" id="{790C1A50-8FB6-426F-9DD8-4ED27DCE829E}"/>
+              </a:ext>
+            </a:extLst>
+          </p:cNvPr>
+          <p:cNvPicPr>
+            <a:picLocks noChangeAspect="1"/>
+          </p:cNvPicPr>
+          <p:nvPr/>
+        </p:nvPicPr>
+        <p:blipFill>
+          <a:blip r:embed="rId2"/>
+          <a:stretch>
+            <a:fillRect/>
+          </a:stretch>
+        </p:blipFill>
+        <p:spPr>
+          <a:xfrm>
+            <a:off x="432822" y="0"/>
+            <a:ext cx="5663178" cy="6858000"/>
+          </a:xfrm>
+          <a:prstGeom prst="rect">
+            <a:avLst/>
+          </a:prstGeom>
+        </p:spPr>
+      </p:pic>
+      <p:sp>
+        <p:nvSpPr>
+          <p:cNvPr id="6" name="사각형: 둥근 모서리 5">
+            <a:extLst>
+              <a:ext uri="{FF2B5EF4-FFF2-40B4-BE49-F238E27FC236}">
+                <a16:creationId xmlns:a16="http://schemas.microsoft.com/office/drawing/2014/main" id="{9A0EE3E8-1398-415C-A34F-66A5183017D8}"/>
+              </a:ext>
+            </a:extLst>
+          </p:cNvPr>
+          <p:cNvSpPr/>
+          <p:nvPr/>
+        </p:nvSpPr>
+        <p:spPr>
+          <a:xfrm>
+            <a:off x="495300" y="45720"/>
+            <a:ext cx="458133" cy="184728"/>
+          </a:xfrm>
+          <a:prstGeom prst="roundRect">
+            <a:avLst/>
+          </a:prstGeom>
+          <a:noFill/>
+          <a:ln w="28575">
+            <a:solidFill>
+              <a:srgbClr val="FF0000"/>
+            </a:solidFill>
+          </a:ln>
+        </p:spPr>
+        <p:style>
+          <a:lnRef idx="2">
+            <a:schemeClr val="accent1">
+              <a:shade val="50000"/>
+            </a:schemeClr>
+          </a:lnRef>
+          <a:fillRef idx="1">
+            <a:schemeClr val="accent1"/>
+          </a:fillRef>
+          <a:effectRef idx="0">
+            <a:schemeClr val="accent1"/>
+          </a:effectRef>
+          <a:fontRef idx="minor">
+            <a:schemeClr val="lt1"/>
+          </a:fontRef>
+        </p:style>
+        <p:txBody>
+          <a:bodyPr rtlCol="0" anchor="ctr"/>
+          <a:lstStyle/>
+          <a:p>
+            <a:pPr algn="ctr"/>
+            <a:endParaRPr lang="ko-KR" altLang="en-US"/>
+          </a:p>
+        </p:txBody>
+      </p:sp>
+      <p:sp>
+        <p:nvSpPr>
+          <p:cNvPr id="7" name="타원 6">
+            <a:extLst>
+              <a:ext uri="{FF2B5EF4-FFF2-40B4-BE49-F238E27FC236}">
+                <a16:creationId xmlns:a16="http://schemas.microsoft.com/office/drawing/2014/main" id="{0A5958D5-7B4F-48D4-A914-0704FF40F4D4}"/>
+              </a:ext>
+            </a:extLst>
+          </p:cNvPr>
+          <p:cNvSpPr/>
+          <p:nvPr/>
+        </p:nvSpPr>
+        <p:spPr>
+          <a:xfrm>
+            <a:off x="289901" y="45720"/>
+            <a:ext cx="181021" cy="184728"/>
+          </a:xfrm>
+          <a:prstGeom prst="ellipse">
+            <a:avLst/>
+          </a:prstGeom>
+          <a:noFill/>
+          <a:ln>
+            <a:solidFill>
+              <a:srgbClr val="C00000"/>
+            </a:solidFill>
+          </a:ln>
+        </p:spPr>
+        <p:style>
+          <a:lnRef idx="2">
+            <a:schemeClr val="accent1">
+              <a:shade val="50000"/>
+            </a:schemeClr>
+          </a:lnRef>
+          <a:fillRef idx="1">
+            <a:schemeClr val="accent1"/>
+          </a:fillRef>
+          <a:effectRef idx="0">
+            <a:schemeClr val="accent1"/>
+          </a:effectRef>
+          <a:fontRef idx="minor">
+            <a:schemeClr val="lt1"/>
+          </a:fontRef>
+        </p:style>
+        <p:txBody>
+          <a:bodyPr rtlCol="0" anchor="ctr"/>
+          <a:lstStyle/>
+          <a:p>
+            <a:pPr algn="ctr"/>
+            <a:r>
+              <a:rPr lang="en-US" altLang="ko-KR" sz="1000" dirty="0">
+                <a:solidFill>
+                  <a:schemeClr val="tx1"/>
+                </a:solidFill>
+              </a:rPr>
+              <a:t>1</a:t>
+            </a:r>
+            <a:endParaRPr lang="ko-KR" altLang="en-US" sz="1000" dirty="0">
+              <a:solidFill>
+                <a:schemeClr val="tx1"/>
+              </a:solidFill>
+            </a:endParaRPr>
+          </a:p>
+        </p:txBody>
+      </p:sp>
+      <p:sp>
+        <p:nvSpPr>
+          <p:cNvPr id="8" name="TextBox 7">
+            <a:extLst>
+              <a:ext uri="{FF2B5EF4-FFF2-40B4-BE49-F238E27FC236}">
+                <a16:creationId xmlns:a16="http://schemas.microsoft.com/office/drawing/2014/main" id="{745196CA-71B3-4552-8661-AF796759E8CA}"/>
+              </a:ext>
+            </a:extLst>
+          </p:cNvPr>
+          <p:cNvSpPr txBox="1"/>
+          <p:nvPr/>
+        </p:nvSpPr>
+        <p:spPr>
+          <a:xfrm>
+            <a:off x="6238921" y="230448"/>
+            <a:ext cx="2824019" cy="430887"/>
+          </a:xfrm>
+          <a:prstGeom prst="rect">
+            <a:avLst/>
+          </a:prstGeom>
+          <a:noFill/>
+          <a:ln>
+            <a:solidFill>
+              <a:srgbClr val="FF0000"/>
+            </a:solidFill>
+          </a:ln>
+        </p:spPr>
+        <p:txBody>
+          <a:bodyPr wrap="square" rtlCol="0">
+            <a:spAutoFit/>
+          </a:bodyPr>
+          <a:lstStyle/>
+          <a:p>
+            <a:pPr algn="ctr"/>
+            <a:r>
+              <a:rPr lang="en-US" altLang="ko-KR" sz="1100" dirty="0"/>
+              <a:t>1. </a:t>
+            </a:r>
+            <a:r>
+              <a:rPr lang="ko-KR" altLang="en-US" sz="1100" dirty="0"/>
+              <a:t>홈페이지 로고 및 브랜드명</a:t>
+            </a:r>
+            <a:endParaRPr lang="en-US" altLang="ko-KR" sz="1100" dirty="0"/>
+          </a:p>
+          <a:p>
+            <a:r>
+              <a:rPr lang="ko-KR" altLang="en-US" sz="1100" dirty="0"/>
+              <a:t>해당 버튼을 누르면 메인 페이지로 이동</a:t>
+            </a:r>
+          </a:p>
+        </p:txBody>
+      </p:sp>
+      <p:sp>
+        <p:nvSpPr>
+          <p:cNvPr id="9" name="사각형: 둥근 모서리 8">
+            <a:extLst>
+              <a:ext uri="{FF2B5EF4-FFF2-40B4-BE49-F238E27FC236}">
+                <a16:creationId xmlns:a16="http://schemas.microsoft.com/office/drawing/2014/main" id="{539BAFED-8D64-4A54-828C-93BE6DADC8F6}"/>
+              </a:ext>
+            </a:extLst>
+          </p:cNvPr>
+          <p:cNvSpPr/>
+          <p:nvPr/>
+        </p:nvSpPr>
+        <p:spPr>
+          <a:xfrm>
+            <a:off x="1341119" y="38100"/>
+            <a:ext cx="243841" cy="184728"/>
+          </a:xfrm>
+          <a:prstGeom prst="roundRect">
+            <a:avLst/>
+          </a:prstGeom>
+          <a:noFill/>
+          <a:ln w="28575">
+            <a:solidFill>
+              <a:srgbClr val="FF0000"/>
+            </a:solidFill>
+          </a:ln>
+        </p:spPr>
+        <p:style>
+          <a:lnRef idx="2">
+            <a:schemeClr val="accent1">
+              <a:shade val="50000"/>
+            </a:schemeClr>
+          </a:lnRef>
+          <a:fillRef idx="1">
+            <a:schemeClr val="accent1"/>
+          </a:fillRef>
+          <a:effectRef idx="0">
+            <a:schemeClr val="accent1"/>
+          </a:effectRef>
+          <a:fontRef idx="minor">
+            <a:schemeClr val="lt1"/>
+          </a:fontRef>
+        </p:style>
+        <p:txBody>
+          <a:bodyPr rtlCol="0" anchor="ctr"/>
+          <a:lstStyle/>
+          <a:p>
+            <a:pPr algn="ctr"/>
+            <a:endParaRPr lang="ko-KR" altLang="en-US"/>
+          </a:p>
+        </p:txBody>
+      </p:sp>
+      <p:sp>
+        <p:nvSpPr>
+          <p:cNvPr id="10" name="타원 9">
+            <a:extLst>
+              <a:ext uri="{FF2B5EF4-FFF2-40B4-BE49-F238E27FC236}">
+                <a16:creationId xmlns:a16="http://schemas.microsoft.com/office/drawing/2014/main" id="{6694736E-73E8-4065-A1DE-6355F8716FCC}"/>
+              </a:ext>
+            </a:extLst>
+          </p:cNvPr>
+          <p:cNvSpPr/>
+          <p:nvPr/>
+        </p:nvSpPr>
+        <p:spPr>
+          <a:xfrm>
+            <a:off x="1198198" y="-73314"/>
+            <a:ext cx="181021" cy="184728"/>
+          </a:xfrm>
+          <a:prstGeom prst="ellipse">
+            <a:avLst/>
+          </a:prstGeom>
+          <a:noFill/>
+          <a:ln>
+            <a:solidFill>
+              <a:srgbClr val="C00000"/>
+            </a:solidFill>
+          </a:ln>
+        </p:spPr>
+        <p:style>
+          <a:lnRef idx="2">
+            <a:schemeClr val="accent1">
+              <a:shade val="50000"/>
+            </a:schemeClr>
+          </a:lnRef>
+          <a:fillRef idx="1">
+            <a:schemeClr val="accent1"/>
+          </a:fillRef>
+          <a:effectRef idx="0">
+            <a:schemeClr val="accent1"/>
+          </a:effectRef>
+          <a:fontRef idx="minor">
+            <a:schemeClr val="lt1"/>
+          </a:fontRef>
+        </p:style>
+        <p:txBody>
+          <a:bodyPr rtlCol="0" anchor="ctr"/>
+          <a:lstStyle/>
+          <a:p>
+            <a:pPr algn="ctr"/>
+            <a:r>
+              <a:rPr lang="en-US" altLang="ko-KR" sz="1000" dirty="0">
+                <a:solidFill>
+                  <a:schemeClr val="tx1"/>
+                </a:solidFill>
+              </a:rPr>
+              <a:t>2</a:t>
+            </a:r>
+            <a:endParaRPr lang="ko-KR" altLang="en-US" sz="1000" dirty="0">
+              <a:solidFill>
+                <a:schemeClr val="tx1"/>
+              </a:solidFill>
+            </a:endParaRPr>
+          </a:p>
+        </p:txBody>
+      </p:sp>
+      <p:sp>
+        <p:nvSpPr>
+          <p:cNvPr id="11" name="TextBox 10">
+            <a:extLst>
+              <a:ext uri="{FF2B5EF4-FFF2-40B4-BE49-F238E27FC236}">
+                <a16:creationId xmlns:a16="http://schemas.microsoft.com/office/drawing/2014/main" id="{C9E3FD53-EF5C-42D6-B595-980D6AE59D8E}"/>
+              </a:ext>
+            </a:extLst>
+          </p:cNvPr>
+          <p:cNvSpPr txBox="1"/>
+          <p:nvPr/>
+        </p:nvSpPr>
+        <p:spPr>
+          <a:xfrm>
+            <a:off x="6238920" y="779088"/>
+            <a:ext cx="2824019" cy="600164"/>
+          </a:xfrm>
+          <a:prstGeom prst="rect">
+            <a:avLst/>
+          </a:prstGeom>
+          <a:noFill/>
+          <a:ln>
+            <a:solidFill>
+              <a:srgbClr val="FF0000"/>
+            </a:solidFill>
+          </a:ln>
+        </p:spPr>
+        <p:txBody>
+          <a:bodyPr wrap="square" rtlCol="0">
+            <a:spAutoFit/>
+          </a:bodyPr>
+          <a:lstStyle/>
+          <a:p>
+            <a:pPr algn="ctr"/>
+            <a:r>
+              <a:rPr lang="en-US" altLang="ko-KR" sz="1100" dirty="0"/>
+              <a:t>2. </a:t>
+            </a:r>
+            <a:r>
+              <a:rPr lang="ko-KR" altLang="en-US" sz="1100" dirty="0"/>
+              <a:t>홈페이지 소개</a:t>
+            </a:r>
+            <a:endParaRPr lang="en-US" altLang="ko-KR" sz="1100" dirty="0"/>
+          </a:p>
+          <a:p>
+            <a:r>
+              <a:rPr lang="ko-KR" altLang="en-US" sz="1100" dirty="0"/>
+              <a:t>해당 버튼을 누르면 홈페이지 소개화면으로 이동</a:t>
+            </a:r>
+          </a:p>
+        </p:txBody>
+      </p:sp>
+      <p:sp>
+        <p:nvSpPr>
+          <p:cNvPr id="12" name="TextBox 11">
+            <a:extLst>
+              <a:ext uri="{FF2B5EF4-FFF2-40B4-BE49-F238E27FC236}">
+                <a16:creationId xmlns:a16="http://schemas.microsoft.com/office/drawing/2014/main" id="{99C2F4B8-0CFD-4CA9-A1F1-46AB12E9C9A8}"/>
+              </a:ext>
+            </a:extLst>
+          </p:cNvPr>
+          <p:cNvSpPr txBox="1"/>
+          <p:nvPr/>
+        </p:nvSpPr>
+        <p:spPr>
+          <a:xfrm>
+            <a:off x="6238919" y="1497005"/>
+            <a:ext cx="2824019" cy="600164"/>
+          </a:xfrm>
+          <a:prstGeom prst="rect">
+            <a:avLst/>
+          </a:prstGeom>
+          <a:noFill/>
+          <a:ln>
+            <a:solidFill>
+              <a:srgbClr val="FF0000"/>
+            </a:solidFill>
+          </a:ln>
+        </p:spPr>
+        <p:txBody>
+          <a:bodyPr wrap="square" rtlCol="0">
+            <a:spAutoFit/>
+          </a:bodyPr>
+          <a:lstStyle/>
+          <a:p>
+            <a:pPr algn="ctr"/>
+            <a:r>
+              <a:rPr lang="en-US" altLang="ko-KR" sz="1100" dirty="0"/>
+              <a:t>3. </a:t>
+            </a:r>
+            <a:r>
+              <a:rPr lang="ko-KR" altLang="en-US" sz="1100" dirty="0"/>
+              <a:t>카테고리 이동</a:t>
+            </a:r>
+            <a:endParaRPr lang="en-US" altLang="ko-KR" sz="1100" dirty="0"/>
+          </a:p>
+          <a:p>
+            <a:r>
+              <a:rPr lang="ko-KR" altLang="en-US" sz="1100" dirty="0"/>
+              <a:t>해당 버튼을 누르면 상세 카테고리가 슬라이드 되면서 목록이 나타남</a:t>
+            </a:r>
+          </a:p>
+        </p:txBody>
+      </p:sp>
+      <p:sp>
+        <p:nvSpPr>
+          <p:cNvPr id="13" name="사각형: 둥근 모서리 12">
+            <a:extLst>
+              <a:ext uri="{FF2B5EF4-FFF2-40B4-BE49-F238E27FC236}">
+                <a16:creationId xmlns:a16="http://schemas.microsoft.com/office/drawing/2014/main" id="{75C97F26-1EB3-4BCD-83F6-A0BB4B4B585C}"/>
+              </a:ext>
+            </a:extLst>
+          </p:cNvPr>
+          <p:cNvSpPr/>
+          <p:nvPr/>
+        </p:nvSpPr>
+        <p:spPr>
+          <a:xfrm>
+            <a:off x="1577339" y="38100"/>
+            <a:ext cx="243841" cy="184728"/>
+          </a:xfrm>
+          <a:prstGeom prst="roundRect">
+            <a:avLst/>
+          </a:prstGeom>
+          <a:noFill/>
+          <a:ln w="28575">
+            <a:solidFill>
+              <a:srgbClr val="FF0000"/>
+            </a:solidFill>
+          </a:ln>
+        </p:spPr>
+        <p:style>
+          <a:lnRef idx="2">
+            <a:schemeClr val="accent1">
+              <a:shade val="50000"/>
+            </a:schemeClr>
+          </a:lnRef>
+          <a:fillRef idx="1">
+            <a:schemeClr val="accent1"/>
+          </a:fillRef>
+          <a:effectRef idx="0">
+            <a:schemeClr val="accent1"/>
+          </a:effectRef>
+          <a:fontRef idx="minor">
+            <a:schemeClr val="lt1"/>
+          </a:fontRef>
+        </p:style>
+        <p:txBody>
+          <a:bodyPr rtlCol="0" anchor="ctr"/>
+          <a:lstStyle/>
+          <a:p>
+            <a:pPr algn="ctr"/>
+            <a:endParaRPr lang="ko-KR" altLang="en-US"/>
+          </a:p>
+        </p:txBody>
+      </p:sp>
+      <p:sp>
+        <p:nvSpPr>
+          <p:cNvPr id="14" name="타원 13">
+            <a:extLst>
+              <a:ext uri="{FF2B5EF4-FFF2-40B4-BE49-F238E27FC236}">
+                <a16:creationId xmlns:a16="http://schemas.microsoft.com/office/drawing/2014/main" id="{EF674D80-3B02-4264-A9C1-C54AAF343C8D}"/>
+              </a:ext>
+            </a:extLst>
+          </p:cNvPr>
+          <p:cNvSpPr/>
+          <p:nvPr/>
+        </p:nvSpPr>
+        <p:spPr>
+          <a:xfrm>
+            <a:off x="1434418" y="-73314"/>
+            <a:ext cx="181021" cy="184728"/>
+          </a:xfrm>
+          <a:prstGeom prst="ellipse">
+            <a:avLst/>
+          </a:prstGeom>
+          <a:noFill/>
+          <a:ln>
+            <a:solidFill>
+              <a:srgbClr val="C00000"/>
+            </a:solidFill>
+          </a:ln>
+        </p:spPr>
+        <p:style>
+          <a:lnRef idx="2">
+            <a:schemeClr val="accent1">
+              <a:shade val="50000"/>
+            </a:schemeClr>
+          </a:lnRef>
+          <a:fillRef idx="1">
+            <a:schemeClr val="accent1"/>
+          </a:fillRef>
+          <a:effectRef idx="0">
+            <a:schemeClr val="accent1"/>
+          </a:effectRef>
+          <a:fontRef idx="minor">
+            <a:schemeClr val="lt1"/>
+          </a:fontRef>
+        </p:style>
+        <p:txBody>
+          <a:bodyPr rtlCol="0" anchor="ctr"/>
+          <a:lstStyle/>
+          <a:p>
+            <a:pPr algn="ctr"/>
+            <a:r>
+              <a:rPr lang="en-US" altLang="ko-KR" sz="1000" dirty="0">
+                <a:solidFill>
+                  <a:schemeClr val="tx1"/>
+                </a:solidFill>
+              </a:rPr>
+              <a:t>3</a:t>
+            </a:r>
+            <a:endParaRPr lang="ko-KR" altLang="en-US" sz="1000" dirty="0">
+              <a:solidFill>
+                <a:schemeClr val="tx1"/>
+              </a:solidFill>
+            </a:endParaRPr>
+          </a:p>
+        </p:txBody>
+      </p:sp>
+      <p:sp>
+        <p:nvSpPr>
+          <p:cNvPr id="15" name="사각형: 둥근 모서리 14">
+            <a:extLst>
+              <a:ext uri="{FF2B5EF4-FFF2-40B4-BE49-F238E27FC236}">
+                <a16:creationId xmlns:a16="http://schemas.microsoft.com/office/drawing/2014/main" id="{702BEA74-92BA-4593-B9C1-B6D128EFA161}"/>
+              </a:ext>
+            </a:extLst>
+          </p:cNvPr>
+          <p:cNvSpPr/>
+          <p:nvPr/>
+        </p:nvSpPr>
+        <p:spPr>
+          <a:xfrm>
+            <a:off x="5257799" y="30480"/>
+            <a:ext cx="533401" cy="184728"/>
+          </a:xfrm>
+          <a:prstGeom prst="roundRect">
+            <a:avLst/>
+          </a:prstGeom>
+          <a:noFill/>
+          <a:ln w="28575">
+            <a:solidFill>
+              <a:srgbClr val="FF0000"/>
+            </a:solidFill>
+          </a:ln>
+        </p:spPr>
+        <p:style>
+          <a:lnRef idx="2">
+            <a:schemeClr val="accent1">
+              <a:shade val="50000"/>
+            </a:schemeClr>
+          </a:lnRef>
+          <a:fillRef idx="1">
+            <a:schemeClr val="accent1"/>
+          </a:fillRef>
+          <a:effectRef idx="0">
+            <a:schemeClr val="accent1"/>
+          </a:effectRef>
+          <a:fontRef idx="minor">
+            <a:schemeClr val="lt1"/>
+          </a:fontRef>
+        </p:style>
+        <p:txBody>
+          <a:bodyPr rtlCol="0" anchor="ctr"/>
+          <a:lstStyle/>
+          <a:p>
+            <a:pPr algn="ctr"/>
+            <a:endParaRPr lang="ko-KR" altLang="en-US"/>
+          </a:p>
+        </p:txBody>
+      </p:sp>
+      <p:sp>
+        <p:nvSpPr>
+          <p:cNvPr id="16" name="타원 15">
+            <a:extLst>
+              <a:ext uri="{FF2B5EF4-FFF2-40B4-BE49-F238E27FC236}">
+                <a16:creationId xmlns:a16="http://schemas.microsoft.com/office/drawing/2014/main" id="{59AB4E0B-1945-402B-A3AA-2C562B452E6A}"/>
+              </a:ext>
+            </a:extLst>
+          </p:cNvPr>
+          <p:cNvSpPr/>
+          <p:nvPr/>
+        </p:nvSpPr>
+        <p:spPr>
+          <a:xfrm>
+            <a:off x="5114879" y="-80934"/>
+            <a:ext cx="181022" cy="184728"/>
+          </a:xfrm>
+          <a:prstGeom prst="ellipse">
+            <a:avLst/>
+          </a:prstGeom>
+          <a:noFill/>
+          <a:ln>
+            <a:solidFill>
+              <a:srgbClr val="C00000"/>
+            </a:solidFill>
+          </a:ln>
+        </p:spPr>
+        <p:style>
+          <a:lnRef idx="2">
+            <a:schemeClr val="accent1">
+              <a:shade val="50000"/>
+            </a:schemeClr>
+          </a:lnRef>
+          <a:fillRef idx="1">
+            <a:schemeClr val="accent1"/>
+          </a:fillRef>
+          <a:effectRef idx="0">
+            <a:schemeClr val="accent1"/>
+          </a:effectRef>
+          <a:fontRef idx="minor">
+            <a:schemeClr val="lt1"/>
+          </a:fontRef>
+        </p:style>
+        <p:txBody>
+          <a:bodyPr rtlCol="0" anchor="ctr"/>
+          <a:lstStyle/>
+          <a:p>
+            <a:pPr algn="ctr"/>
+            <a:r>
+              <a:rPr lang="en-US" altLang="ko-KR" sz="1000" dirty="0">
+                <a:solidFill>
+                  <a:schemeClr val="tx1"/>
+                </a:solidFill>
+              </a:rPr>
+              <a:t>4</a:t>
+            </a:r>
+            <a:endParaRPr lang="ko-KR" altLang="en-US" sz="1000" dirty="0">
+              <a:solidFill>
+                <a:schemeClr val="tx1"/>
+              </a:solidFill>
+            </a:endParaRPr>
+          </a:p>
+        </p:txBody>
+      </p:sp>
+      <p:sp>
+        <p:nvSpPr>
+          <p:cNvPr id="17" name="TextBox 16">
+            <a:extLst>
+              <a:ext uri="{FF2B5EF4-FFF2-40B4-BE49-F238E27FC236}">
+                <a16:creationId xmlns:a16="http://schemas.microsoft.com/office/drawing/2014/main" id="{91D696D6-13AA-4A55-BB20-C60E95A3BDD0}"/>
+              </a:ext>
+            </a:extLst>
+          </p:cNvPr>
+          <p:cNvSpPr txBox="1"/>
+          <p:nvPr/>
+        </p:nvSpPr>
+        <p:spPr>
+          <a:xfrm>
+            <a:off x="6238918" y="2214922"/>
+            <a:ext cx="2824019" cy="769441"/>
+          </a:xfrm>
+          <a:prstGeom prst="rect">
+            <a:avLst/>
+          </a:prstGeom>
+          <a:noFill/>
+          <a:ln>
+            <a:solidFill>
+              <a:srgbClr val="FF0000"/>
+            </a:solidFill>
+          </a:ln>
+        </p:spPr>
+        <p:txBody>
+          <a:bodyPr wrap="square" rtlCol="0">
+            <a:spAutoFit/>
+          </a:bodyPr>
+          <a:lstStyle/>
+          <a:p>
+            <a:pPr algn="ctr"/>
+            <a:r>
+              <a:rPr lang="en-US" altLang="ko-KR" sz="1100" dirty="0"/>
+              <a:t>4. </a:t>
+            </a:r>
+            <a:r>
+              <a:rPr lang="ko-KR" altLang="en-US" sz="1100" dirty="0"/>
+              <a:t>장바구니 이동</a:t>
+            </a:r>
+            <a:endParaRPr lang="en-US" altLang="ko-KR" sz="1100" dirty="0"/>
+          </a:p>
+          <a:p>
+            <a:r>
+              <a:rPr lang="ko-KR" altLang="en-US" sz="1100" dirty="0"/>
+              <a:t>해당 버튼을 누르면 장바구니 화면으로 이동되며 </a:t>
+            </a:r>
+            <a:r>
+              <a:rPr lang="en-US" altLang="ko-KR" sz="1100" dirty="0"/>
+              <a:t>Cart</a:t>
+            </a:r>
+            <a:r>
+              <a:rPr lang="ko-KR" altLang="en-US" sz="1100" dirty="0"/>
+              <a:t>옆 숫자는 장바구니에 담은 물품을 카운트 한다</a:t>
+            </a:r>
+          </a:p>
+        </p:txBody>
+      </p:sp>
+      <p:sp>
+        <p:nvSpPr>
+          <p:cNvPr id="18" name="타원 17">
+            <a:extLst>
+              <a:ext uri="{FF2B5EF4-FFF2-40B4-BE49-F238E27FC236}">
+                <a16:creationId xmlns:a16="http://schemas.microsoft.com/office/drawing/2014/main" id="{B605B4D1-B04C-4CF8-833D-53A2355D1E38}"/>
+              </a:ext>
+            </a:extLst>
+          </p:cNvPr>
+          <p:cNvSpPr/>
+          <p:nvPr/>
+        </p:nvSpPr>
+        <p:spPr>
+          <a:xfrm>
+            <a:off x="5826327" y="-80934"/>
+            <a:ext cx="181022" cy="184728"/>
+          </a:xfrm>
+          <a:prstGeom prst="ellipse">
+            <a:avLst/>
+          </a:prstGeom>
+          <a:noFill/>
+          <a:ln>
+            <a:solidFill>
+              <a:srgbClr val="C00000"/>
+            </a:solidFill>
+          </a:ln>
+        </p:spPr>
+        <p:style>
+          <a:lnRef idx="2">
+            <a:schemeClr val="accent1">
+              <a:shade val="50000"/>
+            </a:schemeClr>
+          </a:lnRef>
+          <a:fillRef idx="1">
+            <a:schemeClr val="accent1"/>
+          </a:fillRef>
+          <a:effectRef idx="0">
+            <a:schemeClr val="accent1"/>
+          </a:effectRef>
+          <a:fontRef idx="minor">
+            <a:schemeClr val="lt1"/>
+          </a:fontRef>
+        </p:style>
+        <p:txBody>
+          <a:bodyPr rtlCol="0" anchor="ctr"/>
+          <a:lstStyle/>
+          <a:p>
+            <a:pPr algn="ctr"/>
+            <a:r>
+              <a:rPr lang="en-US" altLang="ko-KR" sz="1000" dirty="0">
+                <a:solidFill>
+                  <a:schemeClr val="tx1"/>
+                </a:solidFill>
+              </a:rPr>
+              <a:t>5</a:t>
+            </a:r>
+            <a:endParaRPr lang="ko-KR" altLang="en-US" sz="1000" dirty="0">
+              <a:solidFill>
+                <a:schemeClr val="tx1"/>
+              </a:solidFill>
+            </a:endParaRPr>
+          </a:p>
+        </p:txBody>
+      </p:sp>
+      <p:sp>
+        <p:nvSpPr>
+          <p:cNvPr id="19" name="TextBox 18">
+            <a:extLst>
+              <a:ext uri="{FF2B5EF4-FFF2-40B4-BE49-F238E27FC236}">
+                <a16:creationId xmlns:a16="http://schemas.microsoft.com/office/drawing/2014/main" id="{30768A79-19A9-4B78-ABB6-31B57F02B4CE}"/>
+              </a:ext>
+            </a:extLst>
+          </p:cNvPr>
+          <p:cNvSpPr txBox="1"/>
+          <p:nvPr/>
+        </p:nvSpPr>
+        <p:spPr>
+          <a:xfrm>
+            <a:off x="6238917" y="3104197"/>
+            <a:ext cx="2824019" cy="600164"/>
+          </a:xfrm>
+          <a:prstGeom prst="rect">
+            <a:avLst/>
+          </a:prstGeom>
+          <a:noFill/>
+          <a:ln>
+            <a:solidFill>
+              <a:srgbClr val="FF0000"/>
+            </a:solidFill>
+          </a:ln>
+        </p:spPr>
+        <p:txBody>
+          <a:bodyPr wrap="square" rtlCol="0">
+            <a:spAutoFit/>
+          </a:bodyPr>
+          <a:lstStyle/>
+          <a:p>
+            <a:pPr algn="ctr"/>
+            <a:r>
+              <a:rPr lang="en-US" altLang="ko-KR" sz="1100" dirty="0"/>
+              <a:t>5. </a:t>
+            </a:r>
+            <a:r>
+              <a:rPr lang="ko-KR" altLang="en-US" sz="1100" dirty="0"/>
+              <a:t>회원가입</a:t>
+            </a:r>
+            <a:endParaRPr lang="en-US" altLang="ko-KR" sz="1100" dirty="0"/>
+          </a:p>
+          <a:p>
+            <a:r>
+              <a:rPr lang="ko-KR" altLang="en-US" sz="1100" dirty="0"/>
+              <a:t>홈페이지 회원가입 및 로그인 페이지로 이동</a:t>
+            </a:r>
+          </a:p>
+        </p:txBody>
+      </p:sp>
+      <p:sp>
+        <p:nvSpPr>
+          <p:cNvPr id="20" name="사각형: 둥근 모서리 19">
+            <a:extLst>
+              <a:ext uri="{FF2B5EF4-FFF2-40B4-BE49-F238E27FC236}">
+                <a16:creationId xmlns:a16="http://schemas.microsoft.com/office/drawing/2014/main" id="{86FC310D-C5CE-4012-A496-5D426F50E5F9}"/>
+              </a:ext>
+            </a:extLst>
+          </p:cNvPr>
+          <p:cNvSpPr/>
+          <p:nvPr/>
+        </p:nvSpPr>
+        <p:spPr>
+          <a:xfrm>
+            <a:off x="2346959" y="476606"/>
+            <a:ext cx="1668781" cy="689253"/>
+          </a:xfrm>
+          <a:prstGeom prst="roundRect">
+            <a:avLst/>
+          </a:prstGeom>
+          <a:noFill/>
+          <a:ln w="28575">
+            <a:solidFill>
+              <a:srgbClr val="FF0000"/>
+            </a:solidFill>
+          </a:ln>
+        </p:spPr>
+        <p:style>
+          <a:lnRef idx="2">
+            <a:schemeClr val="accent1">
+              <a:shade val="50000"/>
+            </a:schemeClr>
+          </a:lnRef>
+          <a:fillRef idx="1">
+            <a:schemeClr val="accent1"/>
+          </a:fillRef>
+          <a:effectRef idx="0">
+            <a:schemeClr val="accent1"/>
+          </a:effectRef>
+          <a:fontRef idx="minor">
+            <a:schemeClr val="lt1"/>
+          </a:fontRef>
+        </p:style>
+        <p:txBody>
+          <a:bodyPr rtlCol="0" anchor="ctr"/>
+          <a:lstStyle/>
+          <a:p>
+            <a:pPr algn="ctr"/>
+            <a:endParaRPr lang="ko-KR" altLang="en-US"/>
+          </a:p>
+        </p:txBody>
+      </p:sp>
+      <p:sp>
+        <p:nvSpPr>
+          <p:cNvPr id="21" name="TextBox 20">
+            <a:extLst>
+              <a:ext uri="{FF2B5EF4-FFF2-40B4-BE49-F238E27FC236}">
+                <a16:creationId xmlns:a16="http://schemas.microsoft.com/office/drawing/2014/main" id="{3BBB746C-DAB2-4B00-8E09-16A474139ADF}"/>
+              </a:ext>
+            </a:extLst>
+          </p:cNvPr>
+          <p:cNvSpPr txBox="1"/>
+          <p:nvPr/>
+        </p:nvSpPr>
+        <p:spPr>
+          <a:xfrm>
+            <a:off x="6238917" y="3820033"/>
+            <a:ext cx="2824019" cy="430887"/>
+          </a:xfrm>
+          <a:prstGeom prst="rect">
+            <a:avLst/>
+          </a:prstGeom>
+          <a:noFill/>
+          <a:ln>
+            <a:solidFill>
+              <a:srgbClr val="FF0000"/>
+            </a:solidFill>
+          </a:ln>
+        </p:spPr>
+        <p:txBody>
+          <a:bodyPr wrap="square" rtlCol="0">
+            <a:spAutoFit/>
+          </a:bodyPr>
+          <a:lstStyle/>
+          <a:p>
+            <a:pPr algn="ctr"/>
+            <a:r>
+              <a:rPr lang="en-US" altLang="ko-KR" sz="1100" dirty="0"/>
+              <a:t>6. </a:t>
+            </a:r>
+            <a:r>
+              <a:rPr lang="ko-KR" altLang="en-US" sz="1100" dirty="0"/>
+              <a:t>미정</a:t>
+            </a:r>
+            <a:r>
+              <a:rPr lang="en-US" altLang="ko-KR" sz="1100" dirty="0"/>
+              <a:t>(</a:t>
+            </a:r>
+            <a:r>
+              <a:rPr lang="ko-KR" altLang="en-US" sz="1100" dirty="0"/>
+              <a:t>이후 회의진행 후 변경</a:t>
+            </a:r>
+            <a:r>
+              <a:rPr lang="en-US" altLang="ko-KR" sz="1100" dirty="0"/>
+              <a:t>)</a:t>
+            </a:r>
+          </a:p>
+          <a:p>
+            <a:r>
+              <a:rPr lang="ko-KR" altLang="en-US" sz="1100" dirty="0"/>
+              <a:t>배너 및 기타 내용 등으로 추가예정</a:t>
+            </a:r>
+          </a:p>
+        </p:txBody>
+      </p:sp>
+      <p:sp>
+        <p:nvSpPr>
+          <p:cNvPr id="22" name="타원 21">
+            <a:extLst>
+              <a:ext uri="{FF2B5EF4-FFF2-40B4-BE49-F238E27FC236}">
+                <a16:creationId xmlns:a16="http://schemas.microsoft.com/office/drawing/2014/main" id="{6A7F3F58-DD7A-4AA1-BA2F-9631757AC73A}"/>
+              </a:ext>
+            </a:extLst>
+          </p:cNvPr>
+          <p:cNvSpPr/>
+          <p:nvPr/>
+        </p:nvSpPr>
+        <p:spPr>
+          <a:xfrm>
+            <a:off x="2211658" y="343775"/>
+            <a:ext cx="181022" cy="184728"/>
+          </a:xfrm>
+          <a:prstGeom prst="ellipse">
+            <a:avLst/>
+          </a:prstGeom>
+          <a:noFill/>
+          <a:ln>
+            <a:solidFill>
+              <a:srgbClr val="C00000"/>
+            </a:solidFill>
+          </a:ln>
+        </p:spPr>
+        <p:style>
+          <a:lnRef idx="2">
+            <a:schemeClr val="accent1">
+              <a:shade val="50000"/>
+            </a:schemeClr>
+          </a:lnRef>
+          <a:fillRef idx="1">
+            <a:schemeClr val="accent1"/>
+          </a:fillRef>
+          <a:effectRef idx="0">
+            <a:schemeClr val="accent1"/>
+          </a:effectRef>
+          <a:fontRef idx="minor">
+            <a:schemeClr val="lt1"/>
+          </a:fontRef>
+        </p:style>
+        <p:txBody>
+          <a:bodyPr rtlCol="0" anchor="ctr"/>
+          <a:lstStyle/>
+          <a:p>
+            <a:pPr algn="ctr"/>
+            <a:r>
+              <a:rPr lang="en-US" altLang="ko-KR" sz="1000" dirty="0">
+                <a:solidFill>
+                  <a:schemeClr val="bg1">
+                    <a:lumMod val="95000"/>
+                  </a:schemeClr>
+                </a:solidFill>
+              </a:rPr>
+              <a:t>6</a:t>
+            </a:r>
+            <a:endParaRPr lang="ko-KR" altLang="en-US" sz="1000" dirty="0">
+              <a:solidFill>
+                <a:schemeClr val="bg1">
+                  <a:lumMod val="95000"/>
+                </a:schemeClr>
+              </a:solidFill>
+            </a:endParaRPr>
+          </a:p>
+        </p:txBody>
+      </p:sp>
+      <p:sp>
+        <p:nvSpPr>
+          <p:cNvPr id="23" name="타원 22">
+            <a:extLst>
+              <a:ext uri="{FF2B5EF4-FFF2-40B4-BE49-F238E27FC236}">
+                <a16:creationId xmlns:a16="http://schemas.microsoft.com/office/drawing/2014/main" id="{B1A77CD0-6599-453A-A7D5-9727A6852F40}"/>
+              </a:ext>
+            </a:extLst>
+          </p:cNvPr>
+          <p:cNvSpPr/>
+          <p:nvPr/>
+        </p:nvSpPr>
+        <p:spPr>
+          <a:xfrm>
+            <a:off x="342311" y="1612359"/>
+            <a:ext cx="181022" cy="184728"/>
+          </a:xfrm>
+          <a:prstGeom prst="ellipse">
+            <a:avLst/>
+          </a:prstGeom>
+          <a:noFill/>
+          <a:ln>
+            <a:solidFill>
+              <a:srgbClr val="C00000"/>
+            </a:solidFill>
+          </a:ln>
+        </p:spPr>
+        <p:style>
+          <a:lnRef idx="2">
+            <a:schemeClr val="accent1">
+              <a:shade val="50000"/>
+            </a:schemeClr>
+          </a:lnRef>
+          <a:fillRef idx="1">
+            <a:schemeClr val="accent1"/>
+          </a:fillRef>
+          <a:effectRef idx="0">
+            <a:schemeClr val="accent1"/>
+          </a:effectRef>
+          <a:fontRef idx="minor">
+            <a:schemeClr val="lt1"/>
+          </a:fontRef>
+        </p:style>
+        <p:txBody>
+          <a:bodyPr rtlCol="0" anchor="ctr"/>
+          <a:lstStyle/>
+          <a:p>
+            <a:pPr algn="ctr"/>
+            <a:r>
+              <a:rPr lang="en-US" altLang="ko-KR" sz="1000" dirty="0">
+                <a:solidFill>
+                  <a:schemeClr val="tx1"/>
+                </a:solidFill>
+              </a:rPr>
+              <a:t>7</a:t>
+            </a:r>
+            <a:endParaRPr lang="ko-KR" altLang="en-US" sz="1000" dirty="0">
+              <a:solidFill>
+                <a:schemeClr val="tx1"/>
+              </a:solidFill>
+            </a:endParaRPr>
+          </a:p>
+        </p:txBody>
+      </p:sp>
+      <p:sp>
+        <p:nvSpPr>
+          <p:cNvPr id="24" name="사각형: 둥근 모서리 23">
+            <a:extLst>
+              <a:ext uri="{FF2B5EF4-FFF2-40B4-BE49-F238E27FC236}">
+                <a16:creationId xmlns:a16="http://schemas.microsoft.com/office/drawing/2014/main" id="{AD091076-F39C-4629-B138-BE5881179AE7}"/>
+              </a:ext>
+            </a:extLst>
+          </p:cNvPr>
+          <p:cNvSpPr/>
+          <p:nvPr/>
+        </p:nvSpPr>
+        <p:spPr>
+          <a:xfrm>
+            <a:off x="236221" y="1642465"/>
+            <a:ext cx="5859780" cy="4537355"/>
+          </a:xfrm>
+          <a:prstGeom prst="roundRect">
+            <a:avLst/>
+          </a:prstGeom>
+          <a:noFill/>
+          <a:ln w="28575">
+            <a:solidFill>
+              <a:srgbClr val="FF0000"/>
+            </a:solidFill>
+          </a:ln>
+        </p:spPr>
+        <p:style>
+          <a:lnRef idx="2">
+            <a:schemeClr val="accent1">
+              <a:shade val="50000"/>
+            </a:schemeClr>
+          </a:lnRef>
+          <a:fillRef idx="1">
+            <a:schemeClr val="accent1"/>
+          </a:fillRef>
+          <a:effectRef idx="0">
+            <a:schemeClr val="accent1"/>
+          </a:effectRef>
+          <a:fontRef idx="minor">
+            <a:schemeClr val="lt1"/>
+          </a:fontRef>
+        </p:style>
+        <p:txBody>
+          <a:bodyPr rtlCol="0" anchor="ctr"/>
+          <a:lstStyle/>
+          <a:p>
+            <a:pPr algn="ctr"/>
+            <a:endParaRPr lang="ko-KR" altLang="en-US"/>
+          </a:p>
+        </p:txBody>
+      </p:sp>
+      <p:sp>
+        <p:nvSpPr>
+          <p:cNvPr id="25" name="TextBox 24">
+            <a:extLst>
+              <a:ext uri="{FF2B5EF4-FFF2-40B4-BE49-F238E27FC236}">
+                <a16:creationId xmlns:a16="http://schemas.microsoft.com/office/drawing/2014/main" id="{B21ECECB-9CE3-4C86-871D-ED62BD8C7676}"/>
+              </a:ext>
+            </a:extLst>
+          </p:cNvPr>
+          <p:cNvSpPr txBox="1"/>
+          <p:nvPr/>
+        </p:nvSpPr>
+        <p:spPr>
+          <a:xfrm>
+            <a:off x="6238917" y="4366592"/>
+            <a:ext cx="2824019" cy="769441"/>
+          </a:xfrm>
+          <a:prstGeom prst="rect">
+            <a:avLst/>
+          </a:prstGeom>
+          <a:noFill/>
+          <a:ln>
+            <a:solidFill>
+              <a:srgbClr val="FF0000"/>
+            </a:solidFill>
+          </a:ln>
+        </p:spPr>
+        <p:txBody>
+          <a:bodyPr wrap="square" rtlCol="0">
+            <a:spAutoFit/>
+          </a:bodyPr>
+          <a:lstStyle/>
+          <a:p>
+            <a:pPr algn="ctr"/>
+            <a:r>
+              <a:rPr lang="en-US" altLang="ko-KR" sz="1100" dirty="0"/>
+              <a:t>7. </a:t>
+            </a:r>
+            <a:r>
+              <a:rPr lang="ko-KR" altLang="en-US" sz="1100" dirty="0"/>
+              <a:t>제품 이미지</a:t>
+            </a:r>
+            <a:endParaRPr lang="en-US" altLang="ko-KR" sz="1100" dirty="0"/>
+          </a:p>
+          <a:p>
+            <a:r>
+              <a:rPr lang="ko-KR" altLang="en-US" sz="1100" dirty="0"/>
+              <a:t>현재 쇼핑몰에서 판매하고 있는 모든 물품을 보여주며</a:t>
+            </a:r>
+            <a:r>
+              <a:rPr lang="en-US" altLang="ko-KR" sz="1100" dirty="0"/>
+              <a:t>, </a:t>
+            </a:r>
+            <a:r>
+              <a:rPr lang="ko-KR" altLang="en-US" sz="1100" dirty="0"/>
+              <a:t>카테고리를 선택하면 해당 카테고리의 자료를 보여줌</a:t>
+            </a:r>
+          </a:p>
+        </p:txBody>
+      </p:sp>
+      <p:sp>
+        <p:nvSpPr>
+          <p:cNvPr id="26" name="사각형: 둥근 모서리 25">
+            <a:extLst>
+              <a:ext uri="{FF2B5EF4-FFF2-40B4-BE49-F238E27FC236}">
+                <a16:creationId xmlns:a16="http://schemas.microsoft.com/office/drawing/2014/main" id="{523C33C7-BBF2-43E5-ACD1-20B9E9D4F041}"/>
+              </a:ext>
+            </a:extLst>
+          </p:cNvPr>
+          <p:cNvSpPr/>
+          <p:nvPr/>
+        </p:nvSpPr>
+        <p:spPr>
+          <a:xfrm>
+            <a:off x="779098" y="3459480"/>
+            <a:ext cx="647700" cy="260121"/>
+          </a:xfrm>
+          <a:prstGeom prst="roundRect">
+            <a:avLst/>
+          </a:prstGeom>
+          <a:noFill/>
+          <a:ln w="28575">
+            <a:solidFill>
+              <a:srgbClr val="FF0000"/>
+            </a:solidFill>
+          </a:ln>
+        </p:spPr>
+        <p:style>
+          <a:lnRef idx="2">
+            <a:schemeClr val="accent1">
+              <a:shade val="50000"/>
+            </a:schemeClr>
+          </a:lnRef>
+          <a:fillRef idx="1">
+            <a:schemeClr val="accent1"/>
+          </a:fillRef>
+          <a:effectRef idx="0">
+            <a:schemeClr val="accent1"/>
+          </a:effectRef>
+          <a:fontRef idx="minor">
+            <a:schemeClr val="lt1"/>
+          </a:fontRef>
+        </p:style>
+        <p:txBody>
+          <a:bodyPr rtlCol="0" anchor="ctr"/>
+          <a:lstStyle/>
+          <a:p>
+            <a:pPr algn="ctr"/>
+            <a:endParaRPr lang="ko-KR" altLang="en-US"/>
+          </a:p>
+        </p:txBody>
+      </p:sp>
+      <p:sp>
+        <p:nvSpPr>
+          <p:cNvPr id="27" name="타원 26">
+            <a:extLst>
+              <a:ext uri="{FF2B5EF4-FFF2-40B4-BE49-F238E27FC236}">
+                <a16:creationId xmlns:a16="http://schemas.microsoft.com/office/drawing/2014/main" id="{1F65D2B2-81AE-40C7-99D2-874A379DA3DA}"/>
+              </a:ext>
+            </a:extLst>
+          </p:cNvPr>
+          <p:cNvSpPr/>
+          <p:nvPr/>
+        </p:nvSpPr>
+        <p:spPr>
+          <a:xfrm>
+            <a:off x="610870" y="3306156"/>
+            <a:ext cx="181022" cy="184728"/>
+          </a:xfrm>
+          <a:prstGeom prst="ellipse">
+            <a:avLst/>
+          </a:prstGeom>
+          <a:noFill/>
+          <a:ln>
+            <a:solidFill>
+              <a:srgbClr val="C00000"/>
+            </a:solidFill>
+          </a:ln>
+        </p:spPr>
+        <p:style>
+          <a:lnRef idx="2">
+            <a:schemeClr val="accent1">
+              <a:shade val="50000"/>
+            </a:schemeClr>
+          </a:lnRef>
+          <a:fillRef idx="1">
+            <a:schemeClr val="accent1"/>
+          </a:fillRef>
+          <a:effectRef idx="0">
+            <a:schemeClr val="accent1"/>
+          </a:effectRef>
+          <a:fontRef idx="minor">
+            <a:schemeClr val="lt1"/>
+          </a:fontRef>
+        </p:style>
+        <p:txBody>
+          <a:bodyPr rtlCol="0" anchor="ctr"/>
+          <a:lstStyle/>
+          <a:p>
+            <a:pPr algn="ctr"/>
+            <a:r>
+              <a:rPr lang="en-US" altLang="ko-KR" sz="1000" dirty="0">
+                <a:solidFill>
+                  <a:schemeClr val="tx1"/>
+                </a:solidFill>
+              </a:rPr>
+              <a:t>8</a:t>
+            </a:r>
+            <a:endParaRPr lang="ko-KR" altLang="en-US" sz="1000" dirty="0">
+              <a:solidFill>
+                <a:schemeClr val="tx1"/>
+              </a:solidFill>
+            </a:endParaRPr>
+          </a:p>
+        </p:txBody>
+      </p:sp>
+      <p:sp>
+        <p:nvSpPr>
+          <p:cNvPr id="28" name="TextBox 27">
+            <a:extLst>
+              <a:ext uri="{FF2B5EF4-FFF2-40B4-BE49-F238E27FC236}">
+                <a16:creationId xmlns:a16="http://schemas.microsoft.com/office/drawing/2014/main" id="{317E92DF-367E-4D87-91D8-9FF1AC7D5B1A}"/>
+              </a:ext>
+            </a:extLst>
+          </p:cNvPr>
+          <p:cNvSpPr txBox="1"/>
+          <p:nvPr/>
+        </p:nvSpPr>
+        <p:spPr>
+          <a:xfrm>
+            <a:off x="6238916" y="5251705"/>
+            <a:ext cx="2824019" cy="769441"/>
+          </a:xfrm>
+          <a:prstGeom prst="rect">
+            <a:avLst/>
+          </a:prstGeom>
+          <a:noFill/>
+          <a:ln>
+            <a:solidFill>
+              <a:srgbClr val="FF0000"/>
+            </a:solidFill>
+          </a:ln>
+        </p:spPr>
+        <p:txBody>
+          <a:bodyPr wrap="square" rtlCol="0">
+            <a:spAutoFit/>
+          </a:bodyPr>
+          <a:lstStyle/>
+          <a:p>
+            <a:pPr algn="ctr"/>
+            <a:r>
+              <a:rPr lang="en-US" altLang="ko-KR" sz="1100" dirty="0"/>
+              <a:t>8. </a:t>
+            </a:r>
+            <a:r>
+              <a:rPr lang="ko-KR" altLang="en-US" sz="1100" dirty="0"/>
+              <a:t>제품 상세정보</a:t>
+            </a:r>
+            <a:endParaRPr lang="en-US" altLang="ko-KR" sz="1100" dirty="0"/>
+          </a:p>
+          <a:p>
+            <a:r>
+              <a:rPr lang="ko-KR" altLang="en-US" sz="1100" dirty="0"/>
+              <a:t>해당 제품에 대한 정보</a:t>
+            </a:r>
+            <a:r>
+              <a:rPr lang="en-US" altLang="ko-KR" sz="1100" dirty="0"/>
+              <a:t>(</a:t>
+            </a:r>
+            <a:r>
+              <a:rPr lang="ko-KR" altLang="en-US" sz="1100" dirty="0"/>
+              <a:t>사이즈</a:t>
+            </a:r>
+            <a:r>
+              <a:rPr lang="en-US" altLang="ko-KR" sz="1100" dirty="0"/>
+              <a:t>, </a:t>
+            </a:r>
+            <a:r>
+              <a:rPr lang="ko-KR" altLang="en-US" sz="1100" dirty="0"/>
+              <a:t>색상</a:t>
+            </a:r>
+            <a:r>
+              <a:rPr lang="en-US" altLang="ko-KR" sz="1100" dirty="0"/>
+              <a:t>, </a:t>
+            </a:r>
+            <a:r>
+              <a:rPr lang="ko-KR" altLang="en-US" sz="1100" dirty="0"/>
+              <a:t>수량</a:t>
+            </a:r>
+            <a:r>
+              <a:rPr lang="en-US" altLang="ko-KR" sz="1100" dirty="0"/>
+              <a:t> </a:t>
+            </a:r>
+            <a:r>
+              <a:rPr lang="ko-KR" altLang="en-US" sz="1100" dirty="0"/>
+              <a:t>등</a:t>
+            </a:r>
+            <a:r>
+              <a:rPr lang="en-US" altLang="ko-KR" sz="1100" dirty="0"/>
+              <a:t>)</a:t>
+            </a:r>
+            <a:r>
+              <a:rPr lang="ko-KR" altLang="en-US" sz="1100" dirty="0"/>
+              <a:t>를 고객에게 보여주며 제품선택 후 카트에 담을 수 있는 버튼이 있어야 함</a:t>
+            </a:r>
+          </a:p>
+        </p:txBody>
+      </p:sp>
+      <p:sp>
+        <p:nvSpPr>
+          <p:cNvPr id="29" name="TextBox 28">
+            <a:extLst>
+              <a:ext uri="{FF2B5EF4-FFF2-40B4-BE49-F238E27FC236}">
+                <a16:creationId xmlns:a16="http://schemas.microsoft.com/office/drawing/2014/main" id="{BF4F6AAB-971C-4F56-944B-26F7F3AA2779}"/>
+              </a:ext>
+            </a:extLst>
+          </p:cNvPr>
+          <p:cNvSpPr txBox="1"/>
+          <p:nvPr/>
+        </p:nvSpPr>
+        <p:spPr>
+          <a:xfrm>
+            <a:off x="9134521" y="230448"/>
+            <a:ext cx="2824019" cy="430887"/>
+          </a:xfrm>
+          <a:prstGeom prst="rect">
+            <a:avLst/>
+          </a:prstGeom>
+          <a:noFill/>
+          <a:ln>
+            <a:solidFill>
+              <a:srgbClr val="FF0000"/>
+            </a:solidFill>
+          </a:ln>
+        </p:spPr>
+        <p:txBody>
+          <a:bodyPr wrap="square" rtlCol="0">
+            <a:spAutoFit/>
+          </a:bodyPr>
+          <a:lstStyle/>
+          <a:p>
+            <a:pPr algn="ctr"/>
+            <a:r>
+              <a:rPr lang="ko-KR" altLang="en-US" sz="1100" dirty="0"/>
+              <a:t>이후 홈페이지 제작 후 필요하거나 추가적인 기능은 삽입하도록 한다</a:t>
+            </a:r>
+            <a:r>
+              <a:rPr lang="en-US" altLang="ko-KR" sz="1100" dirty="0"/>
+              <a:t>.</a:t>
+            </a:r>
+            <a:endParaRPr lang="ko-KR" altLang="en-US" sz="1100" dirty="0"/>
+          </a:p>
+        </p:txBody>
+      </p:sp>
+    </p:spTree>
+    <p:extLst>
+      <p:ext uri="{BB962C8B-B14F-4D97-AF65-F5344CB8AC3E}">
+        <p14:creationId xmlns:p14="http://schemas.microsoft.com/office/powerpoint/2010/main" val="4254869080"/>
       </p:ext>
     </p:extLst>
   </p:cSld>
